--- a/Documentacion/documentacionAPI.pptx
+++ b/Documentacion/documentacionAPI.pptx
@@ -104,6 +104,11 @@
       </a:defRPr>
     </a:lvl9pPr>
   </p:defaultTextStyle>
+  <p:extLst>
+    <p:ext uri="{EFAFB233-063F-42B5-8137-9DF3F51BA10A}">
+      <p15:sldGuideLst xmlns:p15="http://schemas.microsoft.com/office/powerpoint/2012/main"/>
+    </p:ext>
+  </p:extLst>
 </p:presentation>
 </file>
 
@@ -3012,7 +3017,7 @@
         </p:spPr>
         <p:txBody>
           <a:bodyPr>
-            <a:normAutofit fontScale="92500" lnSpcReduction="10000"/>
+            <a:normAutofit/>
           </a:bodyPr>
           <a:lstStyle/>
           <a:p>
@@ -3042,27 +3047,7 @@
             </a:pPr>
             <a:r>
               <a:rPr lang="es-ES" sz="1400" dirty="0" smtClean="0"/>
-              <a:t>POST /usuarios –d{nid:int, nombre:string, cp:int, email:</a:t>
-            </a:r>
-            <a:r>
-              <a:rPr lang="es-ES" sz="1400" dirty="0" smtClean="0"/>
-              <a:t>string</a:t>
-            </a:r>
-            <a:r>
-              <a:rPr lang="es-ES" sz="1400" dirty="0" smtClean="0"/>
-              <a:t>, password:</a:t>
-            </a:r>
-            <a:r>
-              <a:rPr lang="es-ES" sz="1400" dirty="0" smtClean="0"/>
-              <a:t>string</a:t>
-            </a:r>
-            <a:r>
-              <a:rPr lang="es-ES" sz="1400" dirty="0" smtClean="0"/>
-              <a:t>, n_bares:int} </a:t>
-            </a:r>
-            <a:r>
-              <a:rPr lang="es-ES" sz="1400" dirty="0" smtClean="0"/>
-              <a:t>–H{Content-Type:application/json</a:t>
+              <a:t>POST /usuarios –d{nid:int, nombre:string, cp:int, email:string, password:string, n_bares:int} –H{Content-Type:application/json</a:t>
             </a:r>
             <a:r>
               <a:rPr lang="es-ES" sz="1400" dirty="0"/>
@@ -3104,38 +3089,11 @@
             </a:pPr>
             <a:r>
               <a:rPr lang="es-ES" sz="1400" dirty="0" smtClean="0"/>
-              <a:t>PUT </a:t>
+              <a:t>POST </a:t>
             </a:r>
             <a:r>
               <a:rPr lang="es-ES" sz="1400" dirty="0" smtClean="0"/>
-              <a:t>/usuarios/{nid} -d{nid:int, nombre:string, cp:int, email:string, password:string, n_bares:int} –H{Content-Type:application/json}</a:t>
-            </a:r>
-            <a:endParaRPr lang="es-ES" sz="1400" dirty="0" smtClean="0"/>
-          </a:p>
-          <a:p>
-            <a:pPr marL="800100" lvl="1" indent="-342900" algn="l">
-              <a:buFont typeface="Arial" panose="020B0604020202020204" pitchFamily="34" charset="0"/>
-              <a:buChar char="•"/>
-            </a:pPr>
-            <a:r>
-              <a:rPr lang="es-ES" sz="1400" dirty="0" smtClean="0"/>
-              <a:t>POST </a:t>
-            </a:r>
-            <a:r>
-              <a:rPr lang="es-ES" sz="1400" dirty="0" smtClean="0"/>
-              <a:t>/usuarios/{nid} </a:t>
-            </a:r>
-            <a:r>
-              <a:rPr lang="es-ES" sz="1400" dirty="0" smtClean="0"/>
-              <a:t>–d{nid:int, </a:t>
-            </a:r>
-            <a:r>
-              <a:rPr lang="es-ES" sz="1400" dirty="0" smtClean="0"/>
-              <a:t>nombre:string, cp:int, email:string, password:string, n_bares:int</a:t>
-            </a:r>
-            <a:r>
-              <a:rPr lang="es-ES" sz="1400" dirty="0" smtClean="0"/>
-              <a:t>} –H{Content-Type:application/json}</a:t>
+              <a:t>/usuarios/{nid} –d{nid:int, nombre:string, cp:int, email:string, password:string, n_bares:int} –H{Content-Type:application/json}</a:t>
             </a:r>
           </a:p>
           <a:p>
@@ -3470,37 +3428,8 @@
             </a:pPr>
             <a:r>
               <a:rPr lang="es-ES" sz="1400" dirty="0" smtClean="0"/>
-              <a:t>POST /bares –d{bid:int, nombre:</a:t>
-            </a:r>
-            <a:r>
-              <a:rPr lang="es-ES" sz="1400" dirty="0" smtClean="0"/>
-              <a:t>string</a:t>
-            </a:r>
-            <a:r>
-              <a:rPr lang="es-ES" sz="1400" dirty="0" smtClean="0"/>
-              <a:t>, dirección:</a:t>
-            </a:r>
-            <a:r>
-              <a:rPr lang="es-ES" sz="1400" dirty="0" smtClean="0"/>
-              <a:t>string</a:t>
-            </a:r>
-            <a:r>
-              <a:rPr lang="es-ES" sz="1400" dirty="0" smtClean="0"/>
-              <a:t>, teléfono:int, latitud:double, longitud:double, descripción:</a:t>
-            </a:r>
-            <a:r>
-              <a:rPr lang="es-ES" sz="1400" dirty="0" smtClean="0"/>
-              <a:t>string</a:t>
-            </a:r>
-            <a:r>
-              <a:rPr lang="es-ES" sz="1400" dirty="0" smtClean="0"/>
-              <a:t>} </a:t>
-            </a:r>
-            <a:r>
-              <a:rPr lang="es-ES" sz="1400" dirty="0" smtClean="0"/>
-              <a:t>–H{Content-Type:application/json}</a:t>
-            </a:r>
-            <a:endParaRPr lang="es-ES" sz="1400" dirty="0" smtClean="0"/>
+              <a:t>POST /bares –d{bid:int, nombre:string, dirección:string, teléfono:int, latitud:double, longitud:double, descripción:string} –H{Content-Type:application/json}</a:t>
+            </a:r>
           </a:p>
           <a:p>
             <a:pPr marL="800100" lvl="1" indent="-342900" algn="l">
@@ -3526,38 +3455,17 @@
             </a:pPr>
             <a:r>
               <a:rPr lang="es-ES" sz="1400" dirty="0" smtClean="0"/>
-              <a:t>GET /bares</a:t>
-            </a:r>
+              <a:t>GET /bares/{bid}</a:t>
+            </a:r>
+          </a:p>
+          <a:p>
+            <a:pPr marL="800100" lvl="1" indent="-342900" algn="l">
+              <a:buFont typeface="Arial" panose="020B0604020202020204" pitchFamily="34" charset="0"/>
+              <a:buChar char="•"/>
+            </a:pPr>
             <a:r>
               <a:rPr lang="es-ES" sz="1400" dirty="0" smtClean="0"/>
-              <a:t>/{bid}</a:t>
-            </a:r>
-            <a:endParaRPr lang="es-ES" sz="1400" dirty="0" smtClean="0"/>
-          </a:p>
-          <a:p>
-            <a:pPr marL="800100" lvl="1" indent="-342900" algn="l">
-              <a:buFont typeface="Arial" panose="020B0604020202020204" pitchFamily="34" charset="0"/>
-              <a:buChar char="•"/>
-            </a:pPr>
-            <a:r>
-              <a:rPr lang="es-ES" sz="1400" dirty="0" smtClean="0"/>
-              <a:t>POST /bares</a:t>
-            </a:r>
-            <a:r>
-              <a:rPr lang="es-ES" sz="1400" dirty="0" smtClean="0"/>
-              <a:t>/{bid}</a:t>
-            </a:r>
-            <a:r>
-              <a:rPr lang="es-ES" sz="1400" dirty="0" smtClean="0"/>
-              <a:t> –</a:t>
-            </a:r>
-            <a:r>
-              <a:rPr lang="es-ES" sz="1400" dirty="0" smtClean="0"/>
-              <a:t>d{bid:int, nombre:string, dirección:string, teléfono:int, latitud:double, longitud:double, descripción:string} </a:t>
-            </a:r>
-            <a:r>
-              <a:rPr lang="es-ES" sz="1400" dirty="0" smtClean="0"/>
-              <a:t>–H{Content-Type:application/json}</a:t>
+              <a:t>POST /bares/{bid} –d{bid:int, nombre:string, dirección:string, teléfono:int, latitud:double, longitud:double, descripción:string} –H{Content-Type:application/json}</a:t>
             </a:r>
           </a:p>
           <a:p>
@@ -3594,29 +3502,8 @@
             </a:pPr>
             <a:r>
               <a:rPr lang="es-ES" sz="1400" dirty="0" smtClean="0"/>
-              <a:t>POST /cervezas –d{zid:int, nombre:</a:t>
-            </a:r>
-            <a:r>
-              <a:rPr lang="es-ES" sz="1400" dirty="0" smtClean="0"/>
-              <a:t>string</a:t>
-            </a:r>
-            <a:r>
-              <a:rPr lang="es-ES" sz="1400" dirty="0" smtClean="0"/>
-              <a:t>, porcentaje_alcohol:doublé, descripción:</a:t>
-            </a:r>
-            <a:r>
-              <a:rPr lang="es-ES" sz="1400" dirty="0" smtClean="0"/>
-              <a:t>string</a:t>
-            </a:r>
-            <a:r>
-              <a:rPr lang="es-ES" sz="1400" dirty="0" smtClean="0"/>
-              <a:t>}</a:t>
-            </a:r>
-            <a:r>
-              <a:rPr lang="es-ES" sz="1400" dirty="0" smtClean="0"/>
-              <a:t> –H{Content-Type:application/json}</a:t>
-            </a:r>
-            <a:endParaRPr lang="es-ES" sz="1400" dirty="0" smtClean="0"/>
+              <a:t>POST /cervezas –d{zid:int, nombre:string, porcentaje_alcohol:doublé, descripción:string} –H{Content-Type:application/json}</a:t>
+            </a:r>
           </a:p>
           <a:p>
             <a:pPr marL="800100" lvl="1" indent="-342900" algn="l">
@@ -3642,38 +3529,17 @@
             </a:pPr>
             <a:r>
               <a:rPr lang="es-ES" sz="1400" dirty="0" smtClean="0"/>
-              <a:t>GET /cervezas</a:t>
-            </a:r>
+              <a:t>GET /cervezas/{zid}</a:t>
+            </a:r>
+          </a:p>
+          <a:p>
+            <a:pPr marL="800100" lvl="1" indent="-342900" algn="l">
+              <a:buFont typeface="Arial" panose="020B0604020202020204" pitchFamily="34" charset="0"/>
+              <a:buChar char="•"/>
+            </a:pPr>
             <a:r>
               <a:rPr lang="es-ES" sz="1400" dirty="0" smtClean="0"/>
-              <a:t>/{zid}</a:t>
-            </a:r>
-            <a:endParaRPr lang="es-ES" sz="1400" dirty="0" smtClean="0"/>
-          </a:p>
-          <a:p>
-            <a:pPr marL="800100" lvl="1" indent="-342900" algn="l">
-              <a:buFont typeface="Arial" panose="020B0604020202020204" pitchFamily="34" charset="0"/>
-              <a:buChar char="•"/>
-            </a:pPr>
-            <a:r>
-              <a:rPr lang="es-ES" sz="1400" dirty="0" smtClean="0"/>
-              <a:t>POST /cervezas</a:t>
-            </a:r>
-            <a:r>
-              <a:rPr lang="es-ES" sz="1400" dirty="0" smtClean="0"/>
-              <a:t>/{zid}</a:t>
-            </a:r>
-            <a:r>
-              <a:rPr lang="es-ES" sz="1400" dirty="0" smtClean="0"/>
-              <a:t> –</a:t>
-            </a:r>
-            <a:r>
-              <a:rPr lang="es-ES" sz="1400" dirty="0" smtClean="0"/>
-              <a:t>d{zid:int, nombre:string, porcentaje_alcohol:doublé, descripción:string} </a:t>
-            </a:r>
-            <a:r>
-              <a:rPr lang="es-ES" sz="1400" dirty="0" smtClean="0"/>
-              <a:t>–H{Content-Type:application/json}</a:t>
+              <a:t>POST /cervezas/{zid} –d{zid:int, nombre:string, porcentaje_alcohol:doublé, descripción:string} –H{Content-Type:application/json}</a:t>
             </a:r>
           </a:p>
           <a:p>
@@ -3700,41 +3566,17 @@
             </a:pPr>
             <a:r>
               <a:rPr lang="es-ES" sz="1400" dirty="0" smtClean="0"/>
-              <a:t>GET /bares</a:t>
-            </a:r>
+              <a:t>GET /bares/{bid}/cervezas</a:t>
+            </a:r>
+          </a:p>
+          <a:p>
+            <a:pPr marL="800100" lvl="1" indent="-342900" algn="l">
+              <a:buFont typeface="Arial" panose="020B0604020202020204" pitchFamily="34" charset="0"/>
+              <a:buChar char="•"/>
+            </a:pPr>
             <a:r>
               <a:rPr lang="es-ES" sz="1400" dirty="0" smtClean="0"/>
-              <a:t>/{bid}/</a:t>
-            </a:r>
-            <a:r>
-              <a:rPr lang="es-ES" sz="1400" dirty="0" smtClean="0"/>
-              <a:t>cervezas</a:t>
-            </a:r>
-          </a:p>
-          <a:p>
-            <a:pPr marL="800100" lvl="1" indent="-342900" algn="l">
-              <a:buFont typeface="Arial" panose="020B0604020202020204" pitchFamily="34" charset="0"/>
-              <a:buChar char="•"/>
-            </a:pPr>
-            <a:r>
-              <a:rPr lang="es-ES" sz="1400" dirty="0" smtClean="0"/>
-              <a:t>POST /bares</a:t>
-            </a:r>
-            <a:r>
-              <a:rPr lang="es-ES" sz="1400" dirty="0" smtClean="0"/>
-              <a:t>/{bid}/</a:t>
-            </a:r>
-            <a:r>
-              <a:rPr lang="es-ES" sz="1400" dirty="0" smtClean="0"/>
-              <a:t>cervezas –</a:t>
-            </a:r>
-            <a:r>
-              <a:rPr lang="es-ES" sz="1400" dirty="0" smtClean="0"/>
-              <a:t>d{bar:int, cerveza:int, bar_id:int, cerveza_id:int} </a:t>
-            </a:r>
-            <a:r>
-              <a:rPr lang="es-ES" sz="1400" dirty="0" smtClean="0"/>
-              <a:t>–H{Content-Type:application/json}</a:t>
+              <a:t>POST /bares/{bid}/cervezas –d{bar:int, cerveza:int, bar_id:int, cerveza_id:int} –H{Content-Type:application/json}</a:t>
             </a:r>
           </a:p>
           <a:p>

--- a/Documentacion/documentacionAPI.pptx
+++ b/Documentacion/documentacionAPI.pptx
@@ -2992,10 +2992,10 @@
           <a:lstStyle/>
           <a:p>
             <a:r>
-              <a:rPr lang="es-ES" sz="3200" dirty="0" smtClean="0"/>
+              <a:rPr lang="es-ES" sz="3200" u="sng" dirty="0" smtClean="0"/>
               <a:t>API</a:t>
             </a:r>
-            <a:endParaRPr lang="es-ES" sz="3200" dirty="0"/>
+            <a:endParaRPr lang="es-ES" sz="3200" u="sng" dirty="0"/>
           </a:p>
         </p:txBody>
       </p:sp>
@@ -3089,11 +3089,7 @@
             </a:pPr>
             <a:r>
               <a:rPr lang="es-ES" sz="1400" dirty="0" smtClean="0"/>
-              <a:t>POST </a:t>
-            </a:r>
-            <a:r>
-              <a:rPr lang="es-ES" sz="1400" dirty="0" smtClean="0"/>
-              <a:t>/usuarios/{nid} –d{nid:int, nombre:string, cp:int, email:string, password:string, n_bares:int} –H{Content-Type:application/json}</a:t>
+              <a:t>POST /usuarios/{nid} –d{nid:int, nombre:string, cp:int, email:string, password:string, n_bares:int} –H{Content-Type:application/json}</a:t>
             </a:r>
           </a:p>
           <a:p>

--- a/Documentacion/documentacionAPI.pptx
+++ b/Documentacion/documentacionAPI.pptx
@@ -3017,7 +3017,7 @@
         </p:spPr>
         <p:txBody>
           <a:bodyPr>
-            <a:normAutofit/>
+            <a:normAutofit lnSpcReduction="10000"/>
           </a:bodyPr>
           <a:lstStyle/>
           <a:p>
@@ -3047,7 +3047,15 @@
             </a:pPr>
             <a:r>
               <a:rPr lang="es-ES" sz="1400" dirty="0" smtClean="0"/>
-              <a:t>POST /usuarios –d{nid:int, nombre:string, cp:int, email:string, password:string, n_bares:int} –H{Content-Type:application/json</a:t>
+              <a:t>POST /usuarios –d{nid:int, nombre:string, </a:t>
+            </a:r>
+            <a:r>
+              <a:rPr lang="es-ES" sz="1400" dirty="0" err="1" smtClean="0"/>
+              <a:t>codigopostal:int</a:t>
+            </a:r>
+            <a:r>
+              <a:rPr lang="es-ES" sz="1400" dirty="0" smtClean="0"/>
+              <a:t>, email:string, password:string, n_bares:int} –H{Content-Type:application/json</a:t>
             </a:r>
             <a:r>
               <a:rPr lang="es-ES" sz="1400" dirty="0"/>
@@ -3089,7 +3097,15 @@
             </a:pPr>
             <a:r>
               <a:rPr lang="es-ES" sz="1400" dirty="0" smtClean="0"/>
-              <a:t>POST /usuarios/{nid} –d{nid:int, nombre:string, cp:int, email:string, password:string, n_bares:int} –H{Content-Type:application/json}</a:t>
+              <a:t>POST /usuarios/{nid} –d{nid:int, nombre:string, </a:t>
+            </a:r>
+            <a:r>
+              <a:rPr lang="es-ES" sz="1400" dirty="0" err="1" smtClean="0"/>
+              <a:t>codigopostal:int</a:t>
+            </a:r>
+            <a:r>
+              <a:rPr lang="es-ES" sz="1400" dirty="0" smtClean="0"/>
+              <a:t>, email:string, password:string, n_bares:int} –H{Content-Type:application/json}</a:t>
             </a:r>
           </a:p>
           <a:p>
@@ -3231,7 +3247,7 @@
         </p:spPr>
         <p:txBody>
           <a:bodyPr vert="horz" lIns="91440" tIns="45720" rIns="91440" bIns="45720" rtlCol="0">
-            <a:normAutofit fontScale="92500" lnSpcReduction="10000"/>
+            <a:normAutofit/>
           </a:bodyPr>
           <a:lstStyle>
             <a:lvl1pPr marL="0" indent="0" algn="ctr" defTabSz="914400" rtl="0" eaLnBrk="1" latinLnBrk="0" hangingPunct="1">
@@ -3414,17 +3430,22 @@
             </a:pPr>
             <a:r>
               <a:rPr lang="es-ES" sz="1400" dirty="0" smtClean="0"/>
-              <a:t>GET /bares</a:t>
-            </a:r>
-          </a:p>
-          <a:p>
-            <a:pPr marL="800100" lvl="1" indent="-342900" algn="l">
+              <a:t>GET /</a:t>
+            </a:r>
+            <a:r>
+              <a:rPr lang="es-ES" sz="1400" dirty="0" smtClean="0"/>
+              <a:t>bares</a:t>
+            </a:r>
+            <a:endParaRPr lang="es-ES" sz="1400" dirty="0" smtClean="0"/>
+          </a:p>
+          <a:p>
+            <a:pPr marL="342900" indent="-342900" algn="l">
               <a:buFont typeface="Arial" panose="020B0604020202020204" pitchFamily="34" charset="0"/>
               <a:buChar char="•"/>
             </a:pPr>
             <a:r>
               <a:rPr lang="es-ES" sz="1400" dirty="0" smtClean="0"/>
-              <a:t>POST /bares –d{bid:int, nombre:string, dirección:string, teléfono:int, latitud:double, longitud:double, descripción:string} –H{Content-Type:application/json}</a:t>
+              <a:t>/bares/{bid}</a:t>
             </a:r>
           </a:p>
           <a:p>
@@ -3432,6 +3453,18 @@
               <a:buFont typeface="Arial" panose="020B0604020202020204" pitchFamily="34" charset="0"/>
               <a:buChar char="•"/>
             </a:pPr>
+            <a:r>
+              <a:rPr lang="es-ES" sz="1400" dirty="0" smtClean="0"/>
+              <a:t>GET /bares/{</a:t>
+            </a:r>
+            <a:r>
+              <a:rPr lang="es-ES" sz="1400" dirty="0" err="1" smtClean="0"/>
+              <a:t>bid</a:t>
+            </a:r>
+            <a:r>
+              <a:rPr lang="es-ES" sz="1400" dirty="0" smtClean="0"/>
+              <a:t>}</a:t>
+            </a:r>
             <a:endParaRPr lang="es-ES" sz="1400" dirty="0" smtClean="0"/>
           </a:p>
           <a:p>
@@ -3441,7 +3474,7 @@
             </a:pPr>
             <a:r>
               <a:rPr lang="es-ES" sz="1400" dirty="0" smtClean="0"/>
-              <a:t>/bares/{bid}</a:t>
+              <a:t>/cervezas</a:t>
             </a:r>
           </a:p>
           <a:p>
@@ -3451,17 +3484,22 @@
             </a:pPr>
             <a:r>
               <a:rPr lang="es-ES" sz="1400" dirty="0" smtClean="0"/>
-              <a:t>GET /bares/{bid}</a:t>
-            </a:r>
-          </a:p>
-          <a:p>
-            <a:pPr marL="800100" lvl="1" indent="-342900" algn="l">
+              <a:t>GET /</a:t>
+            </a:r>
+            <a:r>
+              <a:rPr lang="es-ES" sz="1400" dirty="0" smtClean="0"/>
+              <a:t>cervezas</a:t>
+            </a:r>
+            <a:endParaRPr lang="es-ES" sz="1400" dirty="0" smtClean="0"/>
+          </a:p>
+          <a:p>
+            <a:pPr marL="342900" indent="-342900" algn="l">
               <a:buFont typeface="Arial" panose="020B0604020202020204" pitchFamily="34" charset="0"/>
               <a:buChar char="•"/>
             </a:pPr>
             <a:r>
               <a:rPr lang="es-ES" sz="1400" dirty="0" smtClean="0"/>
-              <a:t>POST /bares/{bid} –d{bid:int, nombre:string, dirección:string, teléfono:int, latitud:double, longitud:double, descripción:string} –H{Content-Type:application/json}</a:t>
+              <a:t>/cervezas/{zid}</a:t>
             </a:r>
           </a:p>
           <a:p>
@@ -3469,7 +3507,19 @@
               <a:buFont typeface="Arial" panose="020B0604020202020204" pitchFamily="34" charset="0"/>
               <a:buChar char="•"/>
             </a:pPr>
-            <a:endParaRPr lang="es-ES" sz="1400" dirty="0" smtClean="0"/>
+            <a:r>
+              <a:rPr lang="es-ES" sz="1400" dirty="0" smtClean="0"/>
+              <a:t>GET /cervezas/{</a:t>
+            </a:r>
+            <a:r>
+              <a:rPr lang="es-ES" sz="1400" dirty="0" err="1" smtClean="0"/>
+              <a:t>zid</a:t>
+            </a:r>
+            <a:r>
+              <a:rPr lang="es-ES" sz="1400" dirty="0" smtClean="0"/>
+              <a:t>}</a:t>
+            </a:r>
+            <a:endParaRPr lang="es-ES" sz="1800" dirty="0" smtClean="0"/>
           </a:p>
           <a:p>
             <a:pPr marL="342900" indent="-342900" algn="l">
@@ -3478,7 +3528,7 @@
             </a:pPr>
             <a:r>
               <a:rPr lang="es-ES" sz="1400" dirty="0" smtClean="0"/>
-              <a:t>/cervezas</a:t>
+              <a:t>/bares/{bid}/cervezas</a:t>
             </a:r>
           </a:p>
           <a:p>
@@ -3488,91 +3538,7 @@
             </a:pPr>
             <a:r>
               <a:rPr lang="es-ES" sz="1400" dirty="0" smtClean="0"/>
-              <a:t>GET /cervezas</a:t>
-            </a:r>
-          </a:p>
-          <a:p>
-            <a:pPr marL="800100" lvl="1" indent="-342900" algn="l">
-              <a:buFont typeface="Arial" panose="020B0604020202020204" pitchFamily="34" charset="0"/>
-              <a:buChar char="•"/>
-            </a:pPr>
-            <a:r>
-              <a:rPr lang="es-ES" sz="1400" dirty="0" smtClean="0"/>
-              <a:t>POST /cervezas –d{zid:int, nombre:string, porcentaje_alcohol:doublé, descripción:string} –H{Content-Type:application/json}</a:t>
-            </a:r>
-          </a:p>
-          <a:p>
-            <a:pPr marL="800100" lvl="1" indent="-342900" algn="l">
-              <a:buFont typeface="Arial" panose="020B0604020202020204" pitchFamily="34" charset="0"/>
-              <a:buChar char="•"/>
-            </a:pPr>
-            <a:endParaRPr lang="es-ES" sz="1400" dirty="0" smtClean="0"/>
-          </a:p>
-          <a:p>
-            <a:pPr marL="342900" indent="-342900" algn="l">
-              <a:buFont typeface="Arial" panose="020B0604020202020204" pitchFamily="34" charset="0"/>
-              <a:buChar char="•"/>
-            </a:pPr>
-            <a:r>
-              <a:rPr lang="es-ES" sz="1400" dirty="0" smtClean="0"/>
-              <a:t>/cervezas/{zid}</a:t>
-            </a:r>
-          </a:p>
-          <a:p>
-            <a:pPr marL="800100" lvl="1" indent="-342900" algn="l">
-              <a:buFont typeface="Arial" panose="020B0604020202020204" pitchFamily="34" charset="0"/>
-              <a:buChar char="•"/>
-            </a:pPr>
-            <a:r>
-              <a:rPr lang="es-ES" sz="1400" dirty="0" smtClean="0"/>
-              <a:t>GET /cervezas/{zid}</a:t>
-            </a:r>
-          </a:p>
-          <a:p>
-            <a:pPr marL="800100" lvl="1" indent="-342900" algn="l">
-              <a:buFont typeface="Arial" panose="020B0604020202020204" pitchFamily="34" charset="0"/>
-              <a:buChar char="•"/>
-            </a:pPr>
-            <a:r>
-              <a:rPr lang="es-ES" sz="1400" dirty="0" smtClean="0"/>
-              <a:t>POST /cervezas/{zid} –d{zid:int, nombre:string, porcentaje_alcohol:doublé, descripción:string} –H{Content-Type:application/json}</a:t>
-            </a:r>
-          </a:p>
-          <a:p>
-            <a:pPr marL="342900" indent="-342900" algn="l">
-              <a:buFont typeface="Arial" panose="020B0604020202020204" pitchFamily="34" charset="0"/>
-              <a:buChar char="•"/>
-            </a:pPr>
-            <a:endParaRPr lang="es-ES" sz="1800" dirty="0" smtClean="0"/>
-          </a:p>
-          <a:p>
-            <a:pPr marL="342900" indent="-342900" algn="l">
-              <a:buFont typeface="Arial" panose="020B0604020202020204" pitchFamily="34" charset="0"/>
-              <a:buChar char="•"/>
-            </a:pPr>
-            <a:r>
-              <a:rPr lang="es-ES" sz="1400" dirty="0" smtClean="0"/>
-              <a:t>/bares/{bid}/cervezas</a:t>
-            </a:r>
-          </a:p>
-          <a:p>
-            <a:pPr marL="800100" lvl="1" indent="-342900" algn="l">
-              <a:buFont typeface="Arial" panose="020B0604020202020204" pitchFamily="34" charset="0"/>
-              <a:buChar char="•"/>
-            </a:pPr>
-            <a:r>
-              <a:rPr lang="es-ES" sz="1400" dirty="0" smtClean="0"/>
               <a:t>GET /bares/{bid}/cervezas</a:t>
-            </a:r>
-          </a:p>
-          <a:p>
-            <a:pPr marL="800100" lvl="1" indent="-342900" algn="l">
-              <a:buFont typeface="Arial" panose="020B0604020202020204" pitchFamily="34" charset="0"/>
-              <a:buChar char="•"/>
-            </a:pPr>
-            <a:r>
-              <a:rPr lang="es-ES" sz="1400" dirty="0" smtClean="0"/>
-              <a:t>POST /bares/{bid}/cervezas –d{bar:int, cerveza:int, bar_id:int, cerveza_id:int} –H{Content-Type:application/json}</a:t>
             </a:r>
           </a:p>
           <a:p>

--- a/Documentacion/documentacionAPI.pptx
+++ b/Documentacion/documentacionAPI.pptx
@@ -243,7 +243,7 @@
           <a:p>
             <a:fld id="{DCD6D814-B334-4C91-BBC4-9C21E78C1AB5}" type="datetimeFigureOut">
               <a:rPr lang="es-ES" smtClean="0"/>
-              <a:t>20/12/2018</a:t>
+              <a:t>21/12/2018</a:t>
             </a:fld>
             <a:endParaRPr lang="es-ES" dirty="0"/>
           </a:p>
@@ -413,7 +413,7 @@
           <a:p>
             <a:fld id="{DCD6D814-B334-4C91-BBC4-9C21E78C1AB5}" type="datetimeFigureOut">
               <a:rPr lang="es-ES" smtClean="0"/>
-              <a:t>20/12/2018</a:t>
+              <a:t>21/12/2018</a:t>
             </a:fld>
             <a:endParaRPr lang="es-ES" dirty="0"/>
           </a:p>
@@ -593,7 +593,7 @@
           <a:p>
             <a:fld id="{DCD6D814-B334-4C91-BBC4-9C21E78C1AB5}" type="datetimeFigureOut">
               <a:rPr lang="es-ES" smtClean="0"/>
-              <a:t>20/12/2018</a:t>
+              <a:t>21/12/2018</a:t>
             </a:fld>
             <a:endParaRPr lang="es-ES" dirty="0"/>
           </a:p>
@@ -763,7 +763,7 @@
           <a:p>
             <a:fld id="{DCD6D814-B334-4C91-BBC4-9C21E78C1AB5}" type="datetimeFigureOut">
               <a:rPr lang="es-ES" smtClean="0"/>
-              <a:t>20/12/2018</a:t>
+              <a:t>21/12/2018</a:t>
             </a:fld>
             <a:endParaRPr lang="es-ES" dirty="0"/>
           </a:p>
@@ -1009,7 +1009,7 @@
           <a:p>
             <a:fld id="{DCD6D814-B334-4C91-BBC4-9C21E78C1AB5}" type="datetimeFigureOut">
               <a:rPr lang="es-ES" smtClean="0"/>
-              <a:t>20/12/2018</a:t>
+              <a:t>21/12/2018</a:t>
             </a:fld>
             <a:endParaRPr lang="es-ES" dirty="0"/>
           </a:p>
@@ -1241,7 +1241,7 @@
           <a:p>
             <a:fld id="{DCD6D814-B334-4C91-BBC4-9C21E78C1AB5}" type="datetimeFigureOut">
               <a:rPr lang="es-ES" smtClean="0"/>
-              <a:t>20/12/2018</a:t>
+              <a:t>21/12/2018</a:t>
             </a:fld>
             <a:endParaRPr lang="es-ES" dirty="0"/>
           </a:p>
@@ -1608,7 +1608,7 @@
           <a:p>
             <a:fld id="{DCD6D814-B334-4C91-BBC4-9C21E78C1AB5}" type="datetimeFigureOut">
               <a:rPr lang="es-ES" smtClean="0"/>
-              <a:t>20/12/2018</a:t>
+              <a:t>21/12/2018</a:t>
             </a:fld>
             <a:endParaRPr lang="es-ES" dirty="0"/>
           </a:p>
@@ -1726,7 +1726,7 @@
           <a:p>
             <a:fld id="{DCD6D814-B334-4C91-BBC4-9C21E78C1AB5}" type="datetimeFigureOut">
               <a:rPr lang="es-ES" smtClean="0"/>
-              <a:t>20/12/2018</a:t>
+              <a:t>21/12/2018</a:t>
             </a:fld>
             <a:endParaRPr lang="es-ES" dirty="0"/>
           </a:p>
@@ -1821,7 +1821,7 @@
           <a:p>
             <a:fld id="{DCD6D814-B334-4C91-BBC4-9C21E78C1AB5}" type="datetimeFigureOut">
               <a:rPr lang="es-ES" smtClean="0"/>
-              <a:t>20/12/2018</a:t>
+              <a:t>21/12/2018</a:t>
             </a:fld>
             <a:endParaRPr lang="es-ES" dirty="0"/>
           </a:p>
@@ -2098,7 +2098,7 @@
           <a:p>
             <a:fld id="{DCD6D814-B334-4C91-BBC4-9C21E78C1AB5}" type="datetimeFigureOut">
               <a:rPr lang="es-ES" smtClean="0"/>
-              <a:t>20/12/2018</a:t>
+              <a:t>21/12/2018</a:t>
             </a:fld>
             <a:endParaRPr lang="es-ES" dirty="0"/>
           </a:p>
@@ -2351,7 +2351,7 @@
           <a:p>
             <a:fld id="{DCD6D814-B334-4C91-BBC4-9C21E78C1AB5}" type="datetimeFigureOut">
               <a:rPr lang="es-ES" smtClean="0"/>
-              <a:t>20/12/2018</a:t>
+              <a:t>21/12/2018</a:t>
             </a:fld>
             <a:endParaRPr lang="es-ES" dirty="0"/>
           </a:p>
@@ -2564,7 +2564,7 @@
           <a:p>
             <a:fld id="{DCD6D814-B334-4C91-BBC4-9C21E78C1AB5}" type="datetimeFigureOut">
               <a:rPr lang="es-ES" smtClean="0"/>
-              <a:t>20/12/2018</a:t>
+              <a:t>21/12/2018</a:t>
             </a:fld>
             <a:endParaRPr lang="es-ES" dirty="0"/>
           </a:p>
@@ -3017,7 +3017,7 @@
         </p:spPr>
         <p:txBody>
           <a:bodyPr>
-            <a:normAutofit lnSpcReduction="10000"/>
+            <a:normAutofit/>
           </a:bodyPr>
           <a:lstStyle/>
           <a:p>
@@ -3087,32 +3087,16 @@
             </a:pPr>
             <a:r>
               <a:rPr lang="es-ES" sz="1400" dirty="0" smtClean="0"/>
-              <a:t>GET /usuarios/{nid}</a:t>
-            </a:r>
-          </a:p>
-          <a:p>
-            <a:pPr marL="800100" lvl="1" indent="-342900" algn="l">
-              <a:buFont typeface="Arial" panose="020B0604020202020204" pitchFamily="34" charset="0"/>
-              <a:buChar char="•"/>
-            </a:pPr>
+              <a:t>GET /usuarios/{</a:t>
+            </a:r>
+            <a:r>
+              <a:rPr lang="es-ES" sz="1400" dirty="0" err="1" smtClean="0"/>
+              <a:t>nid</a:t>
+            </a:r>
             <a:r>
               <a:rPr lang="es-ES" sz="1400" dirty="0" smtClean="0"/>
-              <a:t>POST /usuarios/{nid} –d{nid:int, nombre:string, </a:t>
-            </a:r>
-            <a:r>
-              <a:rPr lang="es-ES" sz="1400" dirty="0" err="1" smtClean="0"/>
-              <a:t>codigopostal:int</a:t>
-            </a:r>
-            <a:r>
-              <a:rPr lang="es-ES" sz="1400" dirty="0" smtClean="0"/>
-              <a:t>, email:string, password:string, n_bares:int} –H{Content-Type:application/json}</a:t>
-            </a:r>
-          </a:p>
-          <a:p>
-            <a:pPr marL="800100" lvl="1" indent="-342900" algn="l">
-              <a:buFont typeface="Arial" panose="020B0604020202020204" pitchFamily="34" charset="0"/>
-              <a:buChar char="•"/>
-            </a:pPr>
+              <a:t>}</a:t>
+            </a:r>
             <a:endParaRPr lang="es-ES" sz="1400" dirty="0"/>
           </a:p>
           <a:p>
@@ -3206,25 +3190,13 @@
             </a:pPr>
             <a:r>
               <a:rPr lang="es-ES" sz="1400" dirty="0" smtClean="0"/>
-              <a:t>GET /clanes/{cid}/usuarios</a:t>
-            </a:r>
-          </a:p>
-          <a:p>
-            <a:pPr marL="800100" lvl="1" indent="-342900" algn="l">
-              <a:buFont typeface="Arial" panose="020B0604020202020204" pitchFamily="34" charset="0"/>
-              <a:buChar char="•"/>
-            </a:pPr>
+              <a:t>GET /clanes/{cid}/</a:t>
+            </a:r>
             <a:r>
               <a:rPr lang="es-ES" sz="1400" dirty="0" smtClean="0"/>
-              <a:t>POST /clanes/{cid}/usuarios –d{usuario:int, clan:int, clan_id:int, usuario_id:int} –H{Content-Type:application/json}</a:t>
-            </a:r>
-          </a:p>
-          <a:p>
-            <a:pPr marL="342900" indent="-342900" algn="l">
-              <a:buFont typeface="Arial" panose="020B0604020202020204" pitchFamily="34" charset="0"/>
-              <a:buChar char="•"/>
-            </a:pPr>
-            <a:endParaRPr lang="es-ES" sz="1800" dirty="0" smtClean="0"/>
+              <a:t>usuarios</a:t>
+            </a:r>
+            <a:endParaRPr lang="es-ES" sz="1400" dirty="0" smtClean="0"/>
           </a:p>
         </p:txBody>
       </p:sp>
@@ -3430,13 +3402,8 @@
             </a:pPr>
             <a:r>
               <a:rPr lang="es-ES" sz="1400" dirty="0" smtClean="0"/>
-              <a:t>GET /</a:t>
-            </a:r>
-            <a:r>
-              <a:rPr lang="es-ES" sz="1400" dirty="0" smtClean="0"/>
-              <a:t>bares</a:t>
-            </a:r>
-            <a:endParaRPr lang="es-ES" sz="1400" dirty="0" smtClean="0"/>
+              <a:t>GET /bares</a:t>
+            </a:r>
           </a:p>
           <a:p>
             <a:pPr marL="342900" indent="-342900" algn="l">
@@ -3465,7 +3432,6 @@
               <a:rPr lang="es-ES" sz="1400" dirty="0" smtClean="0"/>
               <a:t>}</a:t>
             </a:r>
-            <a:endParaRPr lang="es-ES" sz="1400" dirty="0" smtClean="0"/>
           </a:p>
           <a:p>
             <a:pPr marL="342900" indent="-342900" algn="l">
@@ -3484,13 +3450,8 @@
             </a:pPr>
             <a:r>
               <a:rPr lang="es-ES" sz="1400" dirty="0" smtClean="0"/>
-              <a:t>GET /</a:t>
-            </a:r>
-            <a:r>
-              <a:rPr lang="es-ES" sz="1400" dirty="0" smtClean="0"/>
-              <a:t>cervezas</a:t>
-            </a:r>
-            <a:endParaRPr lang="es-ES" sz="1400" dirty="0" smtClean="0"/>
+              <a:t>GET /cervezas</a:t>
+            </a:r>
           </a:p>
           <a:p>
             <a:pPr marL="342900" indent="-342900" algn="l">

--- a/Documentacion/documentacionAPI.pptx
+++ b/Documentacion/documentacionAPI.pptx
@@ -3017,7 +3017,7 @@
         </p:spPr>
         <p:txBody>
           <a:bodyPr>
-            <a:normAutofit/>
+            <a:normAutofit lnSpcReduction="10000"/>
           </a:bodyPr>
           <a:lstStyle/>
           <a:p>
@@ -3037,7 +3037,11 @@
             </a:pPr>
             <a:r>
               <a:rPr lang="es-ES" sz="1400" dirty="0" smtClean="0"/>
-              <a:t>GET /usuarios</a:t>
+              <a:t>GET /</a:t>
+            </a:r>
+            <a:r>
+              <a:rPr lang="es-ES" sz="1400" dirty="0" smtClean="0"/>
+              <a:t>usuarios</a:t>
             </a:r>
           </a:p>
           <a:p>
@@ -3045,6 +3049,13 @@
               <a:buFont typeface="Arial" panose="020B0604020202020204" pitchFamily="34" charset="0"/>
               <a:buChar char="•"/>
             </a:pPr>
+            <a:endParaRPr lang="es-ES" sz="1400" dirty="0" smtClean="0"/>
+          </a:p>
+          <a:p>
+            <a:pPr marL="800100" lvl="1" indent="-342900" algn="l">
+              <a:buFont typeface="Arial" panose="020B0604020202020204" pitchFamily="34" charset="0"/>
+              <a:buChar char="•"/>
+            </a:pPr>
             <a:r>
               <a:rPr lang="es-ES" sz="1400" dirty="0" smtClean="0"/>
               <a:t>POST /usuarios –d{nid:int, nombre:string, </a:t>
@@ -3055,13 +3066,56 @@
             </a:r>
             <a:r>
               <a:rPr lang="es-ES" sz="1400" dirty="0" smtClean="0"/>
-              <a:t>, email:string, password:string, n_bares:int} –H{Content-Type:application/json</a:t>
-            </a:r>
-            <a:r>
-              <a:rPr lang="es-ES" sz="1400" dirty="0"/>
+              <a:t>, email:string, password:string, n_bares:int} –H{</a:t>
+            </a:r>
+            <a:r>
+              <a:rPr lang="es-ES" sz="1400" dirty="0" err="1" smtClean="0"/>
+              <a:t>Content-Type:application</a:t>
+            </a:r>
+            <a:r>
+              <a:rPr lang="es-ES" sz="1400" dirty="0" smtClean="0"/>
+              <a:t>/</a:t>
+            </a:r>
+            <a:r>
+              <a:rPr lang="es-ES" sz="1400" dirty="0" err="1" smtClean="0"/>
+              <a:t>json</a:t>
+            </a:r>
+            <a:r>
+              <a:rPr lang="es-ES" sz="1400" dirty="0" smtClean="0"/>
               <a:t>}</a:t>
             </a:r>
-            <a:endParaRPr lang="es-ES" sz="1400" dirty="0" smtClean="0"/>
+          </a:p>
+          <a:p>
+            <a:pPr lvl="1" algn="l"/>
+            <a:endParaRPr lang="es-ES" sz="1400" dirty="0"/>
+          </a:p>
+          <a:p>
+            <a:pPr marL="342900" indent="-342900" algn="l">
+              <a:buFont typeface="Arial" panose="020B0604020202020204" pitchFamily="34" charset="0"/>
+              <a:buChar char="•"/>
+            </a:pPr>
+            <a:r>
+              <a:rPr lang="es-ES" sz="1400" dirty="0" smtClean="0"/>
+              <a:t>/usuarios/{nid}</a:t>
+            </a:r>
+          </a:p>
+          <a:p>
+            <a:pPr marL="800100" lvl="1" indent="-342900" algn="l">
+              <a:buFont typeface="Arial" panose="020B0604020202020204" pitchFamily="34" charset="0"/>
+              <a:buChar char="•"/>
+            </a:pPr>
+            <a:r>
+              <a:rPr lang="es-ES" sz="1400" dirty="0" smtClean="0"/>
+              <a:t>GET /usuarios/{</a:t>
+            </a:r>
+            <a:r>
+              <a:rPr lang="es-ES" sz="1400" dirty="0" err="1" smtClean="0"/>
+              <a:t>nid</a:t>
+            </a:r>
+            <a:r>
+              <a:rPr lang="es-ES" sz="1400" dirty="0" smtClean="0"/>
+              <a:t>}</a:t>
+            </a:r>
           </a:p>
           <a:p>
             <a:pPr marL="800100" lvl="1" indent="-342900" algn="l">
@@ -3071,33 +3125,86 @@
             <a:endParaRPr lang="es-ES" sz="1400" dirty="0"/>
           </a:p>
           <a:p>
-            <a:pPr marL="342900" indent="-342900" algn="l">
+            <a:pPr marL="800100" lvl="1" indent="-342900" algn="l">
               <a:buFont typeface="Arial" panose="020B0604020202020204" pitchFamily="34" charset="0"/>
               <a:buChar char="•"/>
             </a:pPr>
             <a:r>
-              <a:rPr lang="es-ES" sz="1400" dirty="0" smtClean="0"/>
-              <a:t>/usuarios/{nid}</a:t>
-            </a:r>
+              <a:rPr lang="es-ES" sz="1400" dirty="0"/>
+              <a:t>PUT /usuarios –d{</a:t>
+            </a:r>
+            <a:r>
+              <a:rPr lang="es-ES" sz="1400" dirty="0" err="1"/>
+              <a:t>nid:int</a:t>
+            </a:r>
+            <a:r>
+              <a:rPr lang="es-ES" sz="1400" dirty="0"/>
+              <a:t>, </a:t>
+            </a:r>
+            <a:r>
+              <a:rPr lang="es-ES" sz="1400" dirty="0" err="1"/>
+              <a:t>nombre:string</a:t>
+            </a:r>
+            <a:r>
+              <a:rPr lang="es-ES" sz="1400" dirty="0"/>
+              <a:t>, </a:t>
+            </a:r>
+            <a:r>
+              <a:rPr lang="es-ES" sz="1400" dirty="0" err="1"/>
+              <a:t>codigopostal:int</a:t>
+            </a:r>
+            <a:r>
+              <a:rPr lang="es-ES" sz="1400" dirty="0"/>
+              <a:t>, </a:t>
+            </a:r>
+            <a:r>
+              <a:rPr lang="es-ES" sz="1400" dirty="0" err="1"/>
+              <a:t>email:string</a:t>
+            </a:r>
+            <a:r>
+              <a:rPr lang="es-ES" sz="1400" dirty="0"/>
+              <a:t>, </a:t>
+            </a:r>
+            <a:r>
+              <a:rPr lang="es-ES" sz="1400" dirty="0" err="1"/>
+              <a:t>password:string</a:t>
+            </a:r>
+            <a:r>
+              <a:rPr lang="es-ES" sz="1400" dirty="0"/>
+              <a:t>, </a:t>
+            </a:r>
+            <a:r>
+              <a:rPr lang="es-ES" sz="1400" dirty="0" err="1"/>
+              <a:t>n_bares:int</a:t>
+            </a:r>
+            <a:r>
+              <a:rPr lang="es-ES" sz="1400" dirty="0"/>
+              <a:t>} –H{</a:t>
+            </a:r>
+            <a:r>
+              <a:rPr lang="es-ES" sz="1400" dirty="0" err="1"/>
+              <a:t>Content-Type:application</a:t>
+            </a:r>
+            <a:r>
+              <a:rPr lang="es-ES" sz="1400" dirty="0"/>
+              <a:t>/</a:t>
+            </a:r>
+            <a:r>
+              <a:rPr lang="es-ES" sz="1400" dirty="0" err="1"/>
+              <a:t>json</a:t>
+            </a:r>
+            <a:r>
+              <a:rPr lang="es-ES" sz="1400" smtClean="0"/>
+              <a:t>}</a:t>
+            </a:r>
+            <a:endParaRPr lang="es-ES" sz="1400"/>
           </a:p>
           <a:p>
             <a:pPr marL="800100" lvl="1" indent="-342900" algn="l">
               <a:buFont typeface="Arial" panose="020B0604020202020204" pitchFamily="34" charset="0"/>
               <a:buChar char="•"/>
             </a:pPr>
-            <a:r>
-              <a:rPr lang="es-ES" sz="1400" dirty="0" smtClean="0"/>
-              <a:t>GET /usuarios/{</a:t>
-            </a:r>
-            <a:r>
-              <a:rPr lang="es-ES" sz="1400" dirty="0" err="1" smtClean="0"/>
-              <a:t>nid</a:t>
-            </a:r>
-            <a:r>
-              <a:rPr lang="es-ES" sz="1400" dirty="0" smtClean="0"/>
-              <a:t>}</a:t>
-            </a:r>
-            <a:endParaRPr lang="es-ES" sz="1400" dirty="0"/>
+            <a:endParaRPr lang="es-ES" sz="1400" u="sng" dirty="0"/>
           </a:p>
           <a:p>
             <a:pPr marL="342900" indent="-342900" algn="l">
@@ -3116,17 +3223,11 @@
             </a:pPr>
             <a:r>
               <a:rPr lang="es-ES" sz="1400" dirty="0" smtClean="0"/>
-              <a:t>GET /clanes</a:t>
-            </a:r>
-          </a:p>
-          <a:p>
-            <a:pPr marL="800100" lvl="1" indent="-342900" algn="l">
-              <a:buFont typeface="Arial" panose="020B0604020202020204" pitchFamily="34" charset="0"/>
-              <a:buChar char="•"/>
-            </a:pPr>
+              <a:t>GET /</a:t>
+            </a:r>
             <a:r>
               <a:rPr lang="es-ES" sz="1400" dirty="0" smtClean="0"/>
-              <a:t>POST /clanes –d{cid:int, nombre:string, n_bares:int} –H{Content-Type:application/json}</a:t>
+              <a:t>clanes</a:t>
             </a:r>
           </a:p>
           <a:p>
@@ -3137,13 +3238,13 @@
             <a:endParaRPr lang="es-ES" sz="1400" dirty="0" smtClean="0"/>
           </a:p>
           <a:p>
-            <a:pPr marL="342900" indent="-342900" algn="l">
+            <a:pPr marL="800100" lvl="1" indent="-342900" algn="l">
               <a:buFont typeface="Arial" panose="020B0604020202020204" pitchFamily="34" charset="0"/>
               <a:buChar char="•"/>
             </a:pPr>
             <a:r>
               <a:rPr lang="es-ES" sz="1400" dirty="0" smtClean="0"/>
-              <a:t>/clanes/{cid}</a:t>
+              <a:t>POST /clanes –d{cid:int, nombre:string, n_bares:int} –H{Content-Type:application/json}</a:t>
             </a:r>
           </a:p>
           <a:p>
@@ -3151,26 +3252,34 @@
               <a:buFont typeface="Arial" panose="020B0604020202020204" pitchFamily="34" charset="0"/>
               <a:buChar char="•"/>
             </a:pPr>
-            <a:r>
-              <a:rPr lang="es-ES" sz="1400" dirty="0" smtClean="0"/>
-              <a:t>GET /clanes/{cid}</a:t>
-            </a:r>
-          </a:p>
-          <a:p>
-            <a:pPr marL="800100" lvl="1" indent="-342900" algn="l">
+            <a:endParaRPr lang="es-ES" sz="1400" dirty="0" smtClean="0"/>
+          </a:p>
+          <a:p>
+            <a:pPr marL="342900" indent="-342900" algn="l">
               <a:buFont typeface="Arial" panose="020B0604020202020204" pitchFamily="34" charset="0"/>
               <a:buChar char="•"/>
             </a:pPr>
             <a:r>
               <a:rPr lang="es-ES" sz="1400" dirty="0" smtClean="0"/>
-              <a:t>POST /clanes/{cid} –d{cid:int, nombre:string, n_bares:int} –H{Content-Type:application/json}</a:t>
-            </a:r>
-          </a:p>
-          <a:p>
-            <a:pPr marL="342900" indent="-342900" algn="l">
+              <a:t>/clanes/{cid}</a:t>
+            </a:r>
+          </a:p>
+          <a:p>
+            <a:pPr marL="800100" lvl="1" indent="-342900" algn="l">
               <a:buFont typeface="Arial" panose="020B0604020202020204" pitchFamily="34" charset="0"/>
               <a:buChar char="•"/>
             </a:pPr>
+            <a:r>
+              <a:rPr lang="es-ES" sz="1400" dirty="0" smtClean="0"/>
+              <a:t>GET /clanes/{cid</a:t>
+            </a:r>
+            <a:r>
+              <a:rPr lang="es-ES" sz="1400" dirty="0" smtClean="0"/>
+              <a:t>}</a:t>
+            </a:r>
+          </a:p>
+          <a:p>
+            <a:pPr algn="l"/>
             <a:endParaRPr lang="es-ES" sz="1800" dirty="0" smtClean="0"/>
           </a:p>
           <a:p>
@@ -3190,13 +3299,8 @@
             </a:pPr>
             <a:r>
               <a:rPr lang="es-ES" sz="1400" dirty="0" smtClean="0"/>
-              <a:t>GET /clanes/{cid}/</a:t>
-            </a:r>
-            <a:r>
-              <a:rPr lang="es-ES" sz="1400" dirty="0" smtClean="0"/>
-              <a:t>usuarios</a:t>
-            </a:r>
-            <a:endParaRPr lang="es-ES" sz="1400" dirty="0" smtClean="0"/>
+              <a:t>GET /clanes/{cid}/usuarios</a:t>
+            </a:r>
           </a:p>
         </p:txBody>
       </p:sp>
@@ -3402,14 +3506,25 @@
             </a:pPr>
             <a:r>
               <a:rPr lang="es-ES" sz="1400" dirty="0" smtClean="0"/>
-              <a:t>GET /bares</a:t>
-            </a:r>
-          </a:p>
-          <a:p>
-            <a:pPr marL="342900" indent="-342900" algn="l">
+              <a:t>GET /</a:t>
+            </a:r>
+            <a:r>
+              <a:rPr lang="es-ES" sz="1400" dirty="0" smtClean="0"/>
+              <a:t>bares</a:t>
+            </a:r>
+          </a:p>
+          <a:p>
+            <a:pPr marL="800100" lvl="1" indent="-342900" algn="l">
               <a:buFont typeface="Arial" panose="020B0604020202020204" pitchFamily="34" charset="0"/>
               <a:buChar char="•"/>
             </a:pPr>
+            <a:endParaRPr lang="es-ES" sz="1400" dirty="0" smtClean="0"/>
+          </a:p>
+          <a:p>
+            <a:pPr marL="342900" indent="-342900" algn="l">
+              <a:buFont typeface="Arial" panose="020B0604020202020204" pitchFamily="34" charset="0"/>
+              <a:buChar char="•"/>
+            </a:pPr>
             <a:r>
               <a:rPr lang="es-ES" sz="1400" dirty="0" smtClean="0"/>
               <a:t>/bares/{bid}</a:t>
@@ -3434,10 +3549,17 @@
             </a:r>
           </a:p>
           <a:p>
-            <a:pPr marL="342900" indent="-342900" algn="l">
+            <a:pPr marL="800100" lvl="1" indent="-342900" algn="l">
               <a:buFont typeface="Arial" panose="020B0604020202020204" pitchFamily="34" charset="0"/>
               <a:buChar char="•"/>
             </a:pPr>
+            <a:endParaRPr lang="es-ES" sz="1400" dirty="0" smtClean="0"/>
+          </a:p>
+          <a:p>
+            <a:pPr marL="342900" indent="-342900" algn="l">
+              <a:buFont typeface="Arial" panose="020B0604020202020204" pitchFamily="34" charset="0"/>
+              <a:buChar char="•"/>
+            </a:pPr>
             <a:r>
               <a:rPr lang="es-ES" sz="1400" dirty="0" smtClean="0"/>
               <a:t>/cervezas</a:t>
@@ -3450,14 +3572,25 @@
             </a:pPr>
             <a:r>
               <a:rPr lang="es-ES" sz="1400" dirty="0" smtClean="0"/>
-              <a:t>GET /cervezas</a:t>
-            </a:r>
-          </a:p>
-          <a:p>
-            <a:pPr marL="342900" indent="-342900" algn="l">
+              <a:t>GET /</a:t>
+            </a:r>
+            <a:r>
+              <a:rPr lang="es-ES" sz="1400" dirty="0" smtClean="0"/>
+              <a:t>cervezas</a:t>
+            </a:r>
+          </a:p>
+          <a:p>
+            <a:pPr marL="800100" lvl="1" indent="-342900" algn="l">
               <a:buFont typeface="Arial" panose="020B0604020202020204" pitchFamily="34" charset="0"/>
               <a:buChar char="•"/>
             </a:pPr>
+            <a:endParaRPr lang="es-ES" sz="1400" dirty="0" smtClean="0"/>
+          </a:p>
+          <a:p>
+            <a:pPr marL="342900" indent="-342900" algn="l">
+              <a:buFont typeface="Arial" panose="020B0604020202020204" pitchFamily="34" charset="0"/>
+              <a:buChar char="•"/>
+            </a:pPr>
             <a:r>
               <a:rPr lang="es-ES" sz="1400" dirty="0" smtClean="0"/>
               <a:t>/cervezas/{zid}</a:t>
@@ -3480,6 +3613,12 @@
               <a:rPr lang="es-ES" sz="1400" dirty="0" smtClean="0"/>
               <a:t>}</a:t>
             </a:r>
+          </a:p>
+          <a:p>
+            <a:pPr marL="800100" lvl="1" indent="-342900" algn="l">
+              <a:buFont typeface="Arial" panose="020B0604020202020204" pitchFamily="34" charset="0"/>
+              <a:buChar char="•"/>
+            </a:pPr>
             <a:endParaRPr lang="es-ES" sz="1800" dirty="0" smtClean="0"/>
           </a:p>
           <a:p>

--- a/Documentacion/documentacionAPI.pptx
+++ b/Documentacion/documentacionAPI.pptx
@@ -3194,10 +3194,10 @@
               <a:t>json</a:t>
             </a:r>
             <a:r>
-              <a:rPr lang="es-ES" sz="1400" smtClean="0"/>
+              <a:rPr lang="es-ES" sz="1400" dirty="0" smtClean="0"/>
               <a:t>}</a:t>
             </a:r>
-            <a:endParaRPr lang="es-ES" sz="1400"/>
+            <a:endParaRPr lang="es-ES" sz="1400" dirty="0"/>
           </a:p>
           <a:p>
             <a:pPr marL="800100" lvl="1" indent="-342900" algn="l">
